--- a/Workshop/Intro_to_C++/Workshop_Two.pptx
+++ b/Workshop/Intro_to_C++/Workshop_Two.pptx
@@ -14751,8 +14751,8 @@
           </a:p>
         </p:txBody>
       </p:sp>
-      <mc:AlternateContent xmlns:mc="http://schemas.openxmlformats.org/markup-compatibility/2006">
-        <mc:Choice xmlns:a14="http://schemas.microsoft.com/office/drawing/2010/main" Requires="a14">
+      <mc:AlternateContent xmlns:mc="http://schemas.openxmlformats.org/markup-compatibility/2006" xmlns:a14="http://schemas.microsoft.com/office/drawing/2010/main">
+        <mc:Choice Requires="a14">
           <p:sp>
             <p:nvSpPr>
               <p:cNvPr id="19" name="TextBox 18">
@@ -14880,7 +14880,7 @@
             </p:txBody>
           </p:sp>
         </mc:Choice>
-        <mc:Fallback>
+        <mc:Fallback xmlns="">
           <p:sp>
             <p:nvSpPr>
               <p:cNvPr id="19" name="TextBox 18">
@@ -14925,8 +14925,8 @@
           </p:sp>
         </mc:Fallback>
       </mc:AlternateContent>
-      <mc:AlternateContent xmlns:mc="http://schemas.openxmlformats.org/markup-compatibility/2006">
-        <mc:Choice xmlns:a14="http://schemas.microsoft.com/office/drawing/2010/main" Requires="a14">
+      <mc:AlternateContent xmlns:mc="http://schemas.openxmlformats.org/markup-compatibility/2006" xmlns:a14="http://schemas.microsoft.com/office/drawing/2010/main">
+        <mc:Choice Requires="a14">
           <p:sp>
             <p:nvSpPr>
               <p:cNvPr id="21" name="TextBox 20">
@@ -15039,7 +15039,7 @@
             </p:txBody>
           </p:sp>
         </mc:Choice>
-        <mc:Fallback>
+        <mc:Fallback xmlns="">
           <p:sp>
             <p:nvSpPr>
               <p:cNvPr id="21" name="TextBox 20">
@@ -15128,8 +15128,8 @@
           </a:fontRef>
         </p:style>
       </p:cxnSp>
-      <mc:AlternateContent xmlns:mc="http://schemas.openxmlformats.org/markup-compatibility/2006">
-        <mc:Choice xmlns:a14="http://schemas.microsoft.com/office/drawing/2010/main" Requires="a14">
+      <mc:AlternateContent xmlns:mc="http://schemas.openxmlformats.org/markup-compatibility/2006" xmlns:a14="http://schemas.microsoft.com/office/drawing/2010/main">
+        <mc:Choice Requires="a14">
           <p:sp>
             <p:nvSpPr>
               <p:cNvPr id="23" name="TextBox 22">
@@ -15242,7 +15242,7 @@
             </p:txBody>
           </p:sp>
         </mc:Choice>
-        <mc:Fallback>
+        <mc:Fallback xmlns="">
           <p:sp>
             <p:nvSpPr>
               <p:cNvPr id="23" name="TextBox 22">
@@ -23516,7 +23516,7 @@
         <p:spPr>
           <a:xfrm>
             <a:off x="6358569" y="1631347"/>
-            <a:ext cx="5444002" cy="4801314"/>
+            <a:ext cx="5444002" cy="4616648"/>
           </a:xfrm>
           <a:prstGeom prst="rect">
             <a:avLst/>
@@ -23530,7 +23530,7 @@
           <a:lstStyle/>
           <a:p>
             <a:r>
-              <a:rPr lang="en-US" dirty="0">
+              <a:rPr lang="en-US" sz="1600" dirty="0">
                 <a:solidFill>
                   <a:srgbClr val="002060"/>
                 </a:solidFill>
@@ -23540,7 +23540,7 @@
             </a:r>
           </a:p>
           <a:p>
-            <a:endParaRPr lang="en-US" dirty="0">
+            <a:endParaRPr lang="en-US" sz="1600" dirty="0">
               <a:solidFill>
                 <a:srgbClr val="002060"/>
               </a:solidFill>
@@ -23549,7 +23549,7 @@
           </a:p>
           <a:p>
             <a:r>
-              <a:rPr lang="en-US" dirty="0">
+              <a:rPr lang="en-US" sz="1600" dirty="0">
                 <a:solidFill>
                   <a:srgbClr val="002060"/>
                 </a:solidFill>
@@ -23559,7 +23559,7 @@
             </a:r>
           </a:p>
           <a:p>
-            <a:endParaRPr lang="en-US" dirty="0">
+            <a:endParaRPr lang="en-US" sz="1600" dirty="0">
               <a:solidFill>
                 <a:srgbClr val="002060"/>
               </a:solidFill>
@@ -23568,7 +23568,7 @@
           </a:p>
           <a:p>
             <a:r>
-              <a:rPr lang="en-US" dirty="0">
+              <a:rPr lang="en-US" sz="1600" dirty="0">
                 <a:solidFill>
                   <a:srgbClr val="002060"/>
                 </a:solidFill>
@@ -23577,7 +23577,7 @@
               <a:t>You’ll need to use ‘</a:t>
             </a:r>
             <a:r>
-              <a:rPr lang="en-US" dirty="0" err="1">
+              <a:rPr lang="en-US" sz="1600" dirty="0" err="1">
                 <a:solidFill>
                   <a:srgbClr val="002060"/>
                 </a:solidFill>
@@ -23586,7 +23586,7 @@
               <a:t>cin</a:t>
             </a:r>
             <a:r>
-              <a:rPr lang="en-US" dirty="0">
+              <a:rPr lang="en-US" sz="1600" dirty="0">
                 <a:solidFill>
                   <a:srgbClr val="002060"/>
                 </a:solidFill>
@@ -23596,7 +23596,7 @@
             </a:r>
           </a:p>
           <a:p>
-            <a:endParaRPr lang="en-US" dirty="0">
+            <a:endParaRPr lang="en-US" sz="1600" dirty="0">
               <a:solidFill>
                 <a:srgbClr val="002060"/>
               </a:solidFill>
@@ -23605,17 +23605,53 @@
           </a:p>
           <a:p>
             <a:r>
-              <a:rPr lang="en-US" dirty="0">
+              <a:rPr lang="en-US" sz="1600" u="sng" dirty="0">
                 <a:solidFill>
                   <a:srgbClr val="002060"/>
                 </a:solidFill>
                 <a:latin typeface="Helvetica Light" panose="020B0403020202020204" pitchFamily="34" charset="0"/>
               </a:rPr>
-              <a:t>Best/worst joke wins! Send your scripts to my email address or post on the slack channel</a:t>
-            </a:r>
-          </a:p>
-          <a:p>
-            <a:endParaRPr lang="en-US" dirty="0">
+              <a:t>Only ‘</a:t>
+            </a:r>
+            <a:r>
+              <a:rPr lang="en-US" sz="1600" u="sng" dirty="0" err="1">
+                <a:solidFill>
+                  <a:srgbClr val="002060"/>
+                </a:solidFill>
+                <a:latin typeface="Helvetica Light" panose="020B0403020202020204" pitchFamily="34" charset="0"/>
+              </a:rPr>
+              <a:t>cin</a:t>
+            </a:r>
+            <a:r>
+              <a:rPr lang="en-US" sz="1600" u="sng" dirty="0">
+                <a:solidFill>
+                  <a:srgbClr val="002060"/>
+                </a:solidFill>
+                <a:latin typeface="Helvetica Light" panose="020B0403020202020204" pitchFamily="34" charset="0"/>
+              </a:rPr>
+              <a:t>’ statements in main(), all </a:t>
+            </a:r>
+            <a:r>
+              <a:rPr lang="en-US" sz="1600" u="sng" dirty="0" err="1">
+                <a:solidFill>
+                  <a:srgbClr val="002060"/>
+                </a:solidFill>
+                <a:latin typeface="Helvetica Light" panose="020B0403020202020204" pitchFamily="34" charset="0"/>
+              </a:rPr>
+              <a:t>cout</a:t>
+            </a:r>
+            <a:r>
+              <a:rPr lang="en-US" sz="1600" u="sng" dirty="0">
+                <a:solidFill>
+                  <a:srgbClr val="002060"/>
+                </a:solidFill>
+                <a:latin typeface="Helvetica Light" panose="020B0403020202020204" pitchFamily="34" charset="0"/>
+              </a:rPr>
+              <a:t>() statements in other functions</a:t>
+            </a:r>
+          </a:p>
+          <a:p>
+            <a:endParaRPr lang="en-US" sz="1600" dirty="0">
               <a:solidFill>
                 <a:srgbClr val="002060"/>
               </a:solidFill>
@@ -23623,7 +23659,18 @@
             </a:endParaRPr>
           </a:p>
           <a:p>
-            <a:endParaRPr lang="en-US" dirty="0">
+            <a:r>
+              <a:rPr lang="en-US" sz="1600" dirty="0">
+                <a:solidFill>
+                  <a:srgbClr val="002060"/>
+                </a:solidFill>
+                <a:latin typeface="Helvetica Light" panose="020B0403020202020204" pitchFamily="34" charset="0"/>
+              </a:rPr>
+              <a:t>Best/worst joke wins! Send your scripts to my email address or post on the slack channel</a:t>
+            </a:r>
+          </a:p>
+          <a:p>
+            <a:endParaRPr lang="en-US" sz="1600" dirty="0">
               <a:solidFill>
                 <a:srgbClr val="002060"/>
               </a:solidFill>
@@ -23631,8 +23678,16 @@
             </a:endParaRPr>
           </a:p>
           <a:p>
-            <a:r>
-              <a:rPr lang="en-US" dirty="0">
+            <a:endParaRPr lang="en-US" sz="1600" dirty="0">
+              <a:solidFill>
+                <a:srgbClr val="002060"/>
+              </a:solidFill>
+              <a:latin typeface="Helvetica Light" panose="020B0403020202020204" pitchFamily="34" charset="0"/>
+            </a:endParaRPr>
+          </a:p>
+          <a:p>
+            <a:r>
+              <a:rPr lang="en-US" sz="1600" dirty="0">
                 <a:solidFill>
                   <a:srgbClr val="002060"/>
                 </a:solidFill>
@@ -23641,7 +23696,7 @@
               <a:t>			  </a:t>
             </a:r>
             <a:r>
-              <a:rPr lang="en-US" dirty="0" err="1">
+              <a:rPr lang="en-US" sz="1600" dirty="0" err="1">
                 <a:solidFill>
                   <a:srgbClr val="002060"/>
                 </a:solidFill>
@@ -23649,7 +23704,7 @@
               </a:rPr>
               <a:t>a.d.hill@liverpool.ac.uk</a:t>
             </a:r>
-            <a:endParaRPr lang="en-US" dirty="0">
+            <a:endParaRPr lang="en-US" sz="1600" dirty="0">
               <a:solidFill>
                 <a:srgbClr val="002060"/>
               </a:solidFill>
@@ -24687,7 +24742,7 @@
                                         <p:tgtEl>
                                           <p:spTgt spid="4">
                                             <p:txEl>
-                                              <p:pRg st="9" end="9"/>
+                                              <p:pRg st="8" end="8"/>
                                             </p:txEl>
                                           </p:spTgt>
                                         </p:tgtEl>
@@ -24705,7 +24760,68 @@
                                         <p:tgtEl>
                                           <p:spTgt spid="4">
                                             <p:txEl>
-                                              <p:pRg st="9" end="9"/>
+                                              <p:pRg st="8" end="8"/>
+                                            </p:txEl>
+                                          </p:spTgt>
+                                        </p:tgtEl>
+                                      </p:cBhvr>
+                                    </p:animEffect>
+                                  </p:childTnLst>
+                                </p:cTn>
+                              </p:par>
+                            </p:childTnLst>
+                          </p:cTn>
+                        </p:par>
+                      </p:childTnLst>
+                    </p:cTn>
+                  </p:par>
+                  <p:par>
+                    <p:cTn id="23" fill="hold">
+                      <p:stCondLst>
+                        <p:cond delay="indefinite"/>
+                      </p:stCondLst>
+                      <p:childTnLst>
+                        <p:par>
+                          <p:cTn id="24" fill="hold">
+                            <p:stCondLst>
+                              <p:cond delay="0"/>
+                            </p:stCondLst>
+                            <p:childTnLst>
+                              <p:par>
+                                <p:cTn id="25" presetID="9" presetClass="entr" presetSubtype="0" fill="hold" nodeType="clickEffect">
+                                  <p:stCondLst>
+                                    <p:cond delay="0"/>
+                                  </p:stCondLst>
+                                  <p:childTnLst>
+                                    <p:set>
+                                      <p:cBhvr>
+                                        <p:cTn id="26" dur="1" fill="hold">
+                                          <p:stCondLst>
+                                            <p:cond delay="0"/>
+                                          </p:stCondLst>
+                                        </p:cTn>
+                                        <p:tgtEl>
+                                          <p:spTgt spid="4">
+                                            <p:txEl>
+                                              <p:pRg st="11" end="11"/>
+                                            </p:txEl>
+                                          </p:spTgt>
+                                        </p:tgtEl>
+                                        <p:attrNameLst>
+                                          <p:attrName>style.visibility</p:attrName>
+                                        </p:attrNameLst>
+                                      </p:cBhvr>
+                                      <p:to>
+                                        <p:strVal val="visible"/>
+                                      </p:to>
+                                    </p:set>
+                                    <p:animEffect transition="in" filter="dissolve">
+                                      <p:cBhvr>
+                                        <p:cTn id="27" dur="500"/>
+                                        <p:tgtEl>
+                                          <p:spTgt spid="4">
+                                            <p:txEl>
+                                              <p:pRg st="11" end="11"/>
                                             </p:txEl>
                                           </p:spTgt>
                                         </p:tgtEl>
@@ -45616,8 +45732,8 @@
           </a:p>
         </p:txBody>
       </p:sp>
-      <mc:AlternateContent xmlns:mc="http://schemas.openxmlformats.org/markup-compatibility/2006">
-        <mc:Choice xmlns:a14="http://schemas.microsoft.com/office/drawing/2010/main" Requires="a14">
+      <mc:AlternateContent xmlns:mc="http://schemas.openxmlformats.org/markup-compatibility/2006" xmlns:a14="http://schemas.microsoft.com/office/drawing/2010/main">
+        <mc:Choice Requires="a14">
           <p:sp>
             <p:nvSpPr>
               <p:cNvPr id="3" name="Content Placeholder 2">
@@ -45716,7 +45832,7 @@
             </p:txBody>
           </p:sp>
         </mc:Choice>
-        <mc:Fallback>
+        <mc:Fallback xmlns="">
           <p:sp>
             <p:nvSpPr>
               <p:cNvPr id="3" name="Content Placeholder 2">
